--- a/Final Project Backend Java.pptx
+++ b/Final Project Backend Java.pptx
@@ -6,10 +6,10 @@
     <p:sldMasterId id="2147483650" r:id="rId2"/>
   </p:sldMasterIdLst>
   <p:notesMasterIdLst>
-    <p:notesMasterId r:id="rId16"/>
+    <p:notesMasterId r:id="rId17"/>
   </p:notesMasterIdLst>
   <p:handoutMasterIdLst>
-    <p:handoutMasterId r:id="rId17"/>
+    <p:handoutMasterId r:id="rId18"/>
   </p:handoutMasterIdLst>
   <p:sldIdLst>
     <p:sldId id="256" r:id="rId3"/>
@@ -21,10 +21,11 @@
     <p:sldId id="264" r:id="rId9"/>
     <p:sldId id="265" r:id="rId10"/>
     <p:sldId id="266" r:id="rId11"/>
-    <p:sldId id="267" r:id="rId12"/>
-    <p:sldId id="268" r:id="rId13"/>
-    <p:sldId id="270" r:id="rId14"/>
-    <p:sldId id="269" r:id="rId15"/>
+    <p:sldId id="271" r:id="rId12"/>
+    <p:sldId id="267" r:id="rId13"/>
+    <p:sldId id="268" r:id="rId14"/>
+    <p:sldId id="270" r:id="rId15"/>
+    <p:sldId id="269" r:id="rId16"/>
   </p:sldIdLst>
   <p:sldSz cx="9144000" cy="6858000" type="screen4x3"/>
   <p:notesSz cx="6858000" cy="9144000"/>
@@ -7559,6 +7560,107 @@
           <a:lstStyle/>
           <a:p>
             <a:r>
+              <a:rPr lang="en-ID" smtClean="0"/>
+              <a:t>Use Case Diagram</a:t>
+            </a:r>
+            <a:endParaRPr lang="en-US"/>
+          </a:p>
+        </p:txBody>
+      </p:sp>
+      <p:sp>
+        <p:nvSpPr>
+          <p:cNvPr id="4" name="Slide Number Placeholder 3"/>
+          <p:cNvSpPr>
+            <a:spLocks noGrp="1"/>
+          </p:cNvSpPr>
+          <p:nvPr>
+            <p:ph type="sldNum" sz="quarter" idx="12"/>
+          </p:nvPr>
+        </p:nvSpPr>
+        <p:spPr/>
+        <p:txBody>
+          <a:bodyPr/>
+          <a:lstStyle/>
+          <a:p>
+            <a:fld id="{EF38FF6B-8956-47FB-9B3E-C213F41696F1}" type="slidenum">
+              <a:rPr lang="ru-RU" altLang="ru-RU" smtClean="0"/>
+              <a:pPr/>
+              <a:t>10</a:t>
+            </a:fld>
+            <a:endParaRPr lang="ru-RU" altLang="ru-RU"/>
+          </a:p>
+        </p:txBody>
+      </p:sp>
+      <p:pic>
+        <p:nvPicPr>
+          <p:cNvPr id="5" name="Picture 4"/>
+          <p:cNvPicPr>
+            <a:picLocks noChangeAspect="1"/>
+          </p:cNvPicPr>
+          <p:nvPr/>
+        </p:nvPicPr>
+        <p:blipFill>
+          <a:blip r:embed="rId2"/>
+          <a:stretch>
+            <a:fillRect/>
+          </a:stretch>
+        </p:blipFill>
+        <p:spPr>
+          <a:xfrm>
+            <a:off x="1030492" y="1628800"/>
+            <a:ext cx="7468447" cy="3566210"/>
+          </a:xfrm>
+          <a:prstGeom prst="rect">
+            <a:avLst/>
+          </a:prstGeom>
+        </p:spPr>
+      </p:pic>
+    </p:spTree>
+    <p:extLst>
+      <p:ext uri="{BB962C8B-B14F-4D97-AF65-F5344CB8AC3E}">
+        <p14:creationId xmlns:p14="http://schemas.microsoft.com/office/powerpoint/2010/main" val="1355478509"/>
+      </p:ext>
+    </p:extLst>
+  </p:cSld>
+  <p:clrMapOvr>
+    <a:masterClrMapping/>
+  </p:clrMapOvr>
+</p:sld>
+</file>
+
+<file path=ppt/slides/slide11.xml><?xml version="1.0" encoding="utf-8"?>
+<p:sld xmlns:a="http://schemas.openxmlformats.org/drawingml/2006/main" xmlns:r="http://schemas.openxmlformats.org/officeDocument/2006/relationships" xmlns:p="http://schemas.openxmlformats.org/presentationml/2006/main">
+  <p:cSld>
+    <p:spTree>
+      <p:nvGrpSpPr>
+        <p:cNvPr id="1" name=""/>
+        <p:cNvGrpSpPr/>
+        <p:nvPr/>
+      </p:nvGrpSpPr>
+      <p:grpSpPr>
+        <a:xfrm>
+          <a:off x="0" y="0"/>
+          <a:ext cx="0" cy="0"/>
+          <a:chOff x="0" y="0"/>
+          <a:chExt cx="0" cy="0"/>
+        </a:xfrm>
+      </p:grpSpPr>
+      <p:sp>
+        <p:nvSpPr>
+          <p:cNvPr id="2" name="Title 1"/>
+          <p:cNvSpPr>
+            <a:spLocks noGrp="1"/>
+          </p:cNvSpPr>
+          <p:nvPr>
+            <p:ph type="title"/>
+          </p:nvPr>
+        </p:nvSpPr>
+        <p:spPr/>
+        <p:txBody>
+          <a:bodyPr/>
+          <a:lstStyle/>
+          <a:p>
+            <a:r>
               <a:rPr lang="en-ID" smtClean="0">
                 <a:solidFill>
                   <a:schemeClr val="tx1"/>
@@ -7657,7 +7759,7 @@
             <a:fld id="{EF38FF6B-8956-47FB-9B3E-C213F41696F1}" type="slidenum">
               <a:rPr lang="ru-RU" altLang="ru-RU" smtClean="0"/>
               <a:pPr/>
-              <a:t>10</a:t>
+              <a:t>11</a:t>
             </a:fld>
             <a:endParaRPr lang="ru-RU" altLang="ru-RU"/>
           </a:p>
@@ -7723,7 +7825,7 @@
 </p:sld>
 </file>
 
-<file path=ppt/slides/slide11.xml><?xml version="1.0" encoding="utf-8"?>
+<file path=ppt/slides/slide12.xml><?xml version="1.0" encoding="utf-8"?>
 <p:sld xmlns:a="http://schemas.openxmlformats.org/drawingml/2006/main" xmlns:r="http://schemas.openxmlformats.org/officeDocument/2006/relationships" xmlns:p="http://schemas.openxmlformats.org/presentationml/2006/main">
   <p:cSld>
     <p:spTree>
@@ -7773,14 +7875,14 @@
             <p:ph idx="1"/>
             <p:extLst>
               <p:ext uri="{D42A27DB-BD31-4B8C-83A1-F6EECF244321}">
-                <p14:modId xmlns:p14="http://schemas.microsoft.com/office/powerpoint/2010/main" val="2092524192"/>
+                <p14:modId xmlns:p14="http://schemas.microsoft.com/office/powerpoint/2010/main" val="675858616"/>
               </p:ext>
             </p:extLst>
           </p:nvPr>
         </p:nvGraphicFramePr>
         <p:xfrm>
           <a:off x="266560" y="1600200"/>
-          <a:ext cx="8697928" cy="2595880"/>
+          <a:ext cx="8697928" cy="3337560"/>
         </p:xfrm>
         <a:graphic>
           <a:graphicData uri="http://schemas.openxmlformats.org/drawingml/2006/table">
@@ -7994,6 +8096,112 @@
                     <a:p>
                       <a:r>
                         <a:rPr lang="en-ID" smtClean="0"/>
+                        <a:t>POST</a:t>
+                      </a:r>
+                      <a:endParaRPr lang="en-US"/>
+                    </a:p>
+                  </a:txBody>
+                  <a:tcPr/>
+                </a:tc>
+                <a:tc>
+                  <a:txBody>
+                    <a:bodyPr/>
+                    <a:lstStyle/>
+                    <a:p>
+                      <a:r>
+                        <a:rPr lang="en-ID" smtClean="0">
+                          <a:hlinkClick r:id="rId4"/>
+                        </a:rPr>
+                        <a:t>http://localhost:8080/user/forgetpass</a:t>
+                      </a:r>
+                      <a:endParaRPr lang="en-ID" smtClean="0"/>
+                    </a:p>
+                  </a:txBody>
+                  <a:tcPr/>
+                </a:tc>
+                <a:tc>
+                  <a:txBody>
+                    <a:bodyPr/>
+                    <a:lstStyle/>
+                    <a:p>
+                      <a:r>
+                        <a:rPr lang="en-ID" smtClean="0"/>
+                        <a:t>Forget</a:t>
+                      </a:r>
+                      <a:r>
+                        <a:rPr lang="en-ID" baseline="0" smtClean="0"/>
+                        <a:t> Password</a:t>
+                      </a:r>
+                      <a:endParaRPr lang="en-US"/>
+                    </a:p>
+                  </a:txBody>
+                  <a:tcPr/>
+                </a:tc>
+                <a:extLst>
+                  <a:ext uri="{0D108BD9-81ED-4DB2-BD59-A6C34878D82A}">
+                    <a16:rowId xmlns:a16="http://schemas.microsoft.com/office/drawing/2014/main" val="907599882"/>
+                  </a:ext>
+                </a:extLst>
+              </a:tr>
+              <a:tr h="370840">
+                <a:tc>
+                  <a:txBody>
+                    <a:bodyPr/>
+                    <a:lstStyle/>
+                    <a:p>
+                      <a:r>
+                        <a:rPr lang="en-ID" smtClean="0"/>
+                        <a:t>POST</a:t>
+                      </a:r>
+                      <a:endParaRPr lang="en-US"/>
+                    </a:p>
+                  </a:txBody>
+                  <a:tcPr/>
+                </a:tc>
+                <a:tc>
+                  <a:txBody>
+                    <a:bodyPr/>
+                    <a:lstStyle/>
+                    <a:p>
+                      <a:r>
+                        <a:rPr lang="en-ID" smtClean="0">
+                          <a:hlinkClick r:id="rId5"/>
+                        </a:rPr>
+                        <a:t>http://localhost:8080/user/resetpass</a:t>
+                      </a:r>
+                      <a:endParaRPr lang="en-ID" smtClean="0"/>
+                    </a:p>
+                  </a:txBody>
+                  <a:tcPr/>
+                </a:tc>
+                <a:tc>
+                  <a:txBody>
+                    <a:bodyPr/>
+                    <a:lstStyle/>
+                    <a:p>
+                      <a:r>
+                        <a:rPr lang="en-ID" smtClean="0"/>
+                        <a:t>Reset password</a:t>
+                      </a:r>
+                      <a:endParaRPr lang="en-US"/>
+                    </a:p>
+                  </a:txBody>
+                  <a:tcPr/>
+                </a:tc>
+                <a:extLst>
+                  <a:ext uri="{0D108BD9-81ED-4DB2-BD59-A6C34878D82A}">
+                    <a16:rowId xmlns:a16="http://schemas.microsoft.com/office/drawing/2014/main" val="336009892"/>
+                  </a:ext>
+                </a:extLst>
+              </a:tr>
+              <a:tr h="370840">
+                <a:tc>
+                  <a:txBody>
+                    <a:bodyPr/>
+                    <a:lstStyle/>
+                    <a:p>
+                      <a:r>
+                        <a:rPr lang="en-ID" smtClean="0"/>
                         <a:t>GET</a:t>
                       </a:r>
                       <a:endParaRPr lang="en-US"/>
@@ -8008,7 +8216,7 @@
                     <a:p>
                       <a:r>
                         <a:rPr lang="en-ID" smtClean="0">
-                          <a:hlinkClick r:id="rId4"/>
+                          <a:hlinkClick r:id="rId6"/>
                         </a:rPr>
                         <a:t>http://localhost:8080/eats/viewall</a:t>
                       </a:r>
@@ -8063,7 +8271,7 @@
                     <a:p>
                       <a:r>
                         <a:rPr lang="en-ID" smtClean="0">
-                          <a:hlinkClick r:id="rId5"/>
+                          <a:hlinkClick r:id="rId7"/>
                         </a:rPr>
                         <a:t>http://localhost:8080/eats/viewbylokasi</a:t>
                       </a:r>
@@ -8131,7 +8339,7 @@
                       </a:pPr>
                       <a:r>
                         <a:rPr lang="en-ID" smtClean="0">
-                          <a:hlinkClick r:id="rId6"/>
+                          <a:hlinkClick r:id="rId8"/>
                         </a:rPr>
                         <a:t>http://localhost:8080/eats/order</a:t>
                       </a:r>
@@ -8199,7 +8407,7 @@
                       </a:pPr>
                       <a:r>
                         <a:rPr lang="en-ID" smtClean="0">
-                          <a:hlinkClick r:id="rId7"/>
+                          <a:hlinkClick r:id="rId9"/>
                         </a:rPr>
                         <a:t>http://localhost:8080/eats/payment</a:t>
                       </a:r>
@@ -8250,7 +8458,7 @@
             <a:fld id="{EF38FF6B-8956-47FB-9B3E-C213F41696F1}" type="slidenum">
               <a:rPr lang="ru-RU" altLang="ru-RU" smtClean="0"/>
               <a:pPr/>
-              <a:t>11</a:t>
+              <a:t>12</a:t>
             </a:fld>
             <a:endParaRPr lang="ru-RU" altLang="ru-RU"/>
           </a:p>
@@ -8265,11 +8473,11 @@
           <p:nvPr/>
         </p:nvPicPr>
         <p:blipFill>
-          <a:blip r:embed="rId8" cstate="print">
+          <a:blip r:embed="rId10" cstate="print">
             <a:extLst>
               <a:ext uri="{BEBA8EAE-BF5A-486C-A8C5-ECC9F3942E4B}">
                 <a14:imgProps xmlns:a14="http://schemas.microsoft.com/office/drawing/2010/main">
-                  <a14:imgLayer r:embed="rId9">
+                  <a14:imgLayer r:embed="rId11">
                     <a14:imgEffect>
                       <a14:artisticTexturizer/>
                     </a14:imgEffect>
@@ -8352,7 +8560,7 @@
 </p:sld>
 </file>
 
-<file path=ppt/slides/slide12.xml><?xml version="1.0" encoding="utf-8"?>
+<file path=ppt/slides/slide13.xml><?xml version="1.0" encoding="utf-8"?>
 <p:sld xmlns:a="http://schemas.openxmlformats.org/drawingml/2006/main" xmlns:r="http://schemas.openxmlformats.org/officeDocument/2006/relationships" xmlns:p="http://schemas.openxmlformats.org/presentationml/2006/main">
   <p:cSld>
     <p:spTree>
@@ -8709,7 +8917,7 @@
             <a:fld id="{EF38FF6B-8956-47FB-9B3E-C213F41696F1}" type="slidenum">
               <a:rPr lang="ru-RU" altLang="ru-RU" smtClean="0"/>
               <a:pPr/>
-              <a:t>12</a:t>
+              <a:t>13</a:t>
             </a:fld>
             <a:endParaRPr lang="ru-RU" altLang="ru-RU"/>
           </a:p>
@@ -8782,7 +8990,7 @@
 </p:sld>
 </file>
 
-<file path=ppt/slides/slide13.xml><?xml version="1.0" encoding="utf-8"?>
+<file path=ppt/slides/slide14.xml><?xml version="1.0" encoding="utf-8"?>
 <p:sld xmlns:a="http://schemas.openxmlformats.org/drawingml/2006/main" xmlns:r="http://schemas.openxmlformats.org/officeDocument/2006/relationships" xmlns:p="http://schemas.openxmlformats.org/presentationml/2006/main">
   <p:cSld>
     <p:spTree>
@@ -8817,7 +9025,7 @@
             <a:fld id="{EF38FF6B-8956-47FB-9B3E-C213F41696F1}" type="slidenum">
               <a:rPr lang="ru-RU" altLang="ru-RU" smtClean="0"/>
               <a:pPr/>
-              <a:t>13</a:t>
+              <a:t>14</a:t>
             </a:fld>
             <a:endParaRPr lang="ru-RU" altLang="ru-RU"/>
           </a:p>
@@ -10537,6 +10745,18 @@
             </a:pPr>
             <a:r>
               <a:rPr lang="en-ID" altLang="ru-RU" smtClean="0"/>
+              <a:t>Reset Password</a:t>
+            </a:r>
+            <a:endParaRPr lang="en-ID" altLang="ru-RU" smtClean="0"/>
+          </a:p>
+          <a:p>
+            <a:pPr lvl="1">
+              <a:lnSpc>
+                <a:spcPct val="90000"/>
+              </a:lnSpc>
+            </a:pPr>
+            <a:r>
+              <a:rPr lang="en-ID" altLang="ru-RU" smtClean="0"/>
               <a:t>Cari rumah makan berdasarkan lokasi</a:t>
             </a:r>
           </a:p>
@@ -11249,9 +11469,21 @@
               </a:lnSpc>
             </a:pPr>
             <a:r>
-              <a:rPr lang="en-ID" altLang="ru-RU"/>
+              <a:rPr lang="en-ID" altLang="ru-RU" smtClean="0"/>
               <a:t>Login</a:t>
             </a:r>
+          </a:p>
+          <a:p>
+            <a:pPr lvl="1">
+              <a:lnSpc>
+                <a:spcPct val="90000"/>
+              </a:lnSpc>
+            </a:pPr>
+            <a:r>
+              <a:rPr lang="en-ID" altLang="ru-RU" smtClean="0"/>
+              <a:t>Reset Password</a:t>
+            </a:r>
+            <a:endParaRPr lang="en-ID" altLang="ru-RU"/>
           </a:p>
           <a:p>
             <a:pPr lvl="1">
@@ -11864,30 +12096,6 @@
       </p:sp>
       <p:pic>
         <p:nvPicPr>
-          <p:cNvPr id="5" name="Picture 4"/>
-          <p:cNvPicPr>
-            <a:picLocks noChangeAspect="1"/>
-          </p:cNvPicPr>
-          <p:nvPr/>
-        </p:nvPicPr>
-        <p:blipFill>
-          <a:blip r:embed="rId2"/>
-          <a:stretch>
-            <a:fillRect/>
-          </a:stretch>
-        </p:blipFill>
-        <p:spPr>
-          <a:xfrm>
-            <a:off x="66959" y="1484784"/>
-            <a:ext cx="9041545" cy="3600400"/>
-          </a:xfrm>
-          <a:prstGeom prst="rect">
-            <a:avLst/>
-          </a:prstGeom>
-        </p:spPr>
-      </p:pic>
-      <p:pic>
-        <p:nvPicPr>
           <p:cNvPr id="6" name="Picture 5"/>
           <p:cNvPicPr>
             <a:picLocks noChangeAspect="1"/>
@@ -11895,11 +12103,11 @@
           <p:nvPr/>
         </p:nvPicPr>
         <p:blipFill>
-          <a:blip r:embed="rId3" cstate="print">
+          <a:blip r:embed="rId2" cstate="print">
             <a:extLst>
               <a:ext uri="{BEBA8EAE-BF5A-486C-A8C5-ECC9F3942E4B}">
                 <a14:imgProps xmlns:a14="http://schemas.microsoft.com/office/drawing/2010/main">
-                  <a14:imgLayer r:embed="rId4">
+                  <a14:imgLayer r:embed="rId3">
                     <a14:imgEffect>
                       <a14:artisticTexturizer/>
                     </a14:imgEffect>
@@ -11931,6 +12139,30 @@
               </a:prstClr>
             </a:outerShdw>
           </a:effectLst>
+        </p:spPr>
+      </p:pic>
+      <p:pic>
+        <p:nvPicPr>
+          <p:cNvPr id="3" name="Picture 2"/>
+          <p:cNvPicPr>
+            <a:picLocks noChangeAspect="1"/>
+          </p:cNvPicPr>
+          <p:nvPr/>
+        </p:nvPicPr>
+        <p:blipFill>
+          <a:blip r:embed="rId4"/>
+          <a:stretch>
+            <a:fillRect/>
+          </a:stretch>
+        </p:blipFill>
+        <p:spPr>
+          <a:xfrm>
+            <a:off x="31065" y="2132856"/>
+            <a:ext cx="8889195" cy="2938025"/>
+          </a:xfrm>
+          <a:prstGeom prst="rect">
+            <a:avLst/>
+          </a:prstGeom>
         </p:spPr>
       </p:pic>
     </p:spTree>
